--- a/Presentations/IPEM ThinkTank/Presentation IPEM.pptx
+++ b/Presentations/IPEM ThinkTank/Presentation IPEM.pptx
@@ -225,7 +225,7 @@
           <a:p>
             <a:fld id="{B79156D8-B985-4BEC-A066-3AE06B2108C3}" type="datetimeFigureOut">
               <a:rPr lang="nl-BE" smtClean="0"/>
-              <a:t>25/05/2016</a:t>
+              <a:t>27/05/2016</a:t>
             </a:fld>
             <a:endParaRPr lang="nl-BE"/>
           </a:p>
@@ -390,7 +390,7 @@
           <a:p>
             <a:fld id="{F3D4D562-915A-4C21-9EFE-F203DAA557C6}" type="datetimeFigureOut">
               <a:rPr lang="nl-BE" smtClean="0"/>
-              <a:t>25/05/2016</a:t>
+              <a:t>27/05/2016</a:t>
             </a:fld>
             <a:endParaRPr lang="nl-BE"/>
           </a:p>
@@ -408,7 +408,7 @@
         </p:nvSpPr>
         <p:spPr>
           <a:xfrm>
-            <a:off x="1371600" y="1143000"/>
+            <a:off x="1255713" y="630237"/>
             <a:ext cx="4114800" cy="3086100"/>
           </a:xfrm>
           <a:prstGeom prst="rect">
@@ -702,6 +702,20 @@
           <a:bodyPr/>
           <a:lstStyle/>
           <a:p>
+            <a:r>
+              <a:rPr lang="nl-BE" dirty="0" smtClean="0"/>
+              <a:t>Hi,</a:t>
+            </a:r>
+            <a:r>
+              <a:rPr lang="nl-BE" baseline="0" dirty="0" smtClean="0"/>
+              <a:t> my name is Ward Van Assche and I’m going explain to you what I’ve created in the research for my Master’s thesis. </a:t>
+            </a:r>
+          </a:p>
+          <a:p>
+            <a:r>
+              <a:rPr lang="nl-BE" baseline="0" dirty="0" smtClean="0"/>
+              <a:t>I’m going to start with a small demonstration. Firstly I will sumarize what you are going to see during the demo.</a:t>
+            </a:r>
             <a:endParaRPr lang="nl-BE" dirty="0"/>
           </a:p>
         </p:txBody>
@@ -786,7 +800,21 @@
           <a:bodyPr/>
           <a:lstStyle/>
           <a:p>
-            <a:endParaRPr lang="nl-BE"/>
+            <a:r>
+              <a:rPr lang="nl-BE" dirty="0" smtClean="0"/>
+              <a:t>SyncSink has</a:t>
+            </a:r>
+            <a:r>
+              <a:rPr lang="nl-BE" baseline="0" dirty="0" smtClean="0"/>
+              <a:t> to be manually executed after the experiment. This is not very user-friendly and can be time-consuming.</a:t>
+            </a:r>
+          </a:p>
+          <a:p>
+            <a:r>
+              <a:rPr lang="nl-BE" baseline="0" dirty="0" smtClean="0"/>
+              <a:t>For my master’s thesis Joren asked me to develop a system which can do this in real-time. After developing the system I wrapped the system in a Max/MSP module.</a:t>
+            </a:r>
+            <a:endParaRPr lang="nl-BE" dirty="0"/>
           </a:p>
         </p:txBody>
       </p:sp>
@@ -870,7 +898,49 @@
           <a:bodyPr/>
           <a:lstStyle/>
           <a:p>
-            <a:endParaRPr lang="nl-BE"/>
+            <a:r>
+              <a:rPr lang="en-US" dirty="0" smtClean="0"/>
+              <a:t>The latency between</a:t>
+            </a:r>
+            <a:r>
+              <a:rPr lang="en-US" baseline="0" dirty="0" smtClean="0"/>
+              <a:t> the </a:t>
+            </a:r>
+            <a:r>
+              <a:rPr lang="en-US" baseline="0" dirty="0" err="1" smtClean="0"/>
+              <a:t>audiostreams</a:t>
+            </a:r>
+            <a:r>
+              <a:rPr lang="en-US" baseline="0" dirty="0" smtClean="0"/>
+              <a:t> can </a:t>
+            </a:r>
+            <a:r>
+              <a:rPr lang="en-US" dirty="0" smtClean="0"/>
+              <a:t>be detected by using the acoustic fingerprinting algorithm.</a:t>
+            </a:r>
+          </a:p>
+          <a:p>
+            <a:r>
+              <a:rPr lang="en-US" dirty="0" smtClean="0"/>
+              <a:t>In</a:t>
+            </a:r>
+            <a:r>
+              <a:rPr lang="en-US" baseline="0" dirty="0" smtClean="0"/>
+              <a:t> order to do this the fingerprints of each audio fragment have be determined. </a:t>
+            </a:r>
+          </a:p>
+          <a:p>
+            <a:r>
+              <a:rPr lang="en-US" baseline="0" dirty="0" smtClean="0"/>
+              <a:t>This is done by connecting the spectral peaks of the spectrograms of the audio fragments.</a:t>
+            </a:r>
+          </a:p>
+          <a:p>
+            <a:r>
+              <a:rPr lang="en-US" baseline="0" dirty="0" smtClean="0"/>
+              <a:t>An example will make this terrible explanation more clear.</a:t>
+            </a:r>
+            <a:endParaRPr lang="nl-BE" dirty="0"/>
           </a:p>
         </p:txBody>
       </p:sp>
@@ -954,6 +1024,22 @@
           <a:bodyPr/>
           <a:lstStyle/>
           <a:p>
+            <a:r>
+              <a:rPr lang="nl-BE" dirty="0" smtClean="0"/>
+              <a:t>So,</a:t>
+            </a:r>
+            <a:r>
+              <a:rPr lang="nl-BE" baseline="0" dirty="0" smtClean="0"/>
+              <a:t> this is an example of a spectrogram. A spectrogram is a graph where the energy of each frequency-range is plotted against the time. On this slide the dark places have more energy than the less dark places.</a:t>
+            </a:r>
+          </a:p>
+          <a:p>
+            <a:r>
+              <a:rPr lang="nl-BE" baseline="0" dirty="0" smtClean="0"/>
+              <a:t>The spectral peaks are places where the energy is higher than the energy of the neighbours. On the next slide I marked some spectral peaks.</a:t>
+            </a:r>
+          </a:p>
+          <a:p>
             <a:endParaRPr lang="nl-BE" dirty="0"/>
           </a:p>
         </p:txBody>
@@ -1038,6 +1124,14 @@
           <a:bodyPr/>
           <a:lstStyle/>
           <a:p>
+            <a:r>
+              <a:rPr lang="nl-BE" dirty="0" smtClean="0"/>
+              <a:t>Here you can see some spectral peaks.</a:t>
+            </a:r>
+            <a:r>
+              <a:rPr lang="nl-BE" baseline="0" dirty="0" smtClean="0"/>
+              <a:t> The fingerprints are nothing more than a connection between two spectral peaks. Which spectral peaks are connected depends of the parameters of the algorithm. On the next slide I have marked some possible fingerprints.</a:t>
+            </a:r>
             <a:endParaRPr lang="nl-BE" dirty="0"/>
           </a:p>
         </p:txBody>
@@ -1206,7 +1300,39 @@
           <a:bodyPr/>
           <a:lstStyle/>
           <a:p>
-            <a:endParaRPr lang="nl-BE"/>
+            <a:r>
+              <a:rPr lang="nl-BE" dirty="0" smtClean="0"/>
+              <a:t>I</a:t>
+            </a:r>
+            <a:r>
+              <a:rPr lang="nl-BE" baseline="0" dirty="0" smtClean="0"/>
+              <a:t> forgot to say that each fingerprint contains information about the time where the spectral peaks occured. When many fingerprints can be matched this means that the audio streams contain </a:t>
+            </a:r>
+            <a:r>
+              <a:rPr lang="nl-BE" baseline="0" dirty="0" smtClean="0"/>
+              <a:t>identical </a:t>
+            </a:r>
+            <a:r>
+              <a:rPr lang="nl-BE" baseline="0" dirty="0" smtClean="0"/>
+              <a:t>elements. The latency between the audio fragments can be calculated from the timing information of the fingerprints.</a:t>
+            </a:r>
+          </a:p>
+          <a:p>
+            <a:endParaRPr lang="nl-BE" baseline="0" dirty="0" smtClean="0"/>
+          </a:p>
+          <a:p>
+            <a:r>
+              <a:rPr lang="nl-BE" baseline="0" dirty="0" smtClean="0"/>
+              <a:t>The biggest problem of this system is its accuracy.</a:t>
+            </a:r>
+            <a:r>
+              <a:rPr lang="nl-BE" baseline="0" dirty="0"/>
+              <a:t> </a:t>
+            </a:r>
+            <a:r>
+              <a:rPr lang="nl-BE" baseline="0" dirty="0" smtClean="0"/>
+              <a:t>Fortunately there is another algorithm which can solve this problem.</a:t>
+            </a:r>
           </a:p>
         </p:txBody>
       </p:sp>
@@ -1290,7 +1416,15 @@
           <a:bodyPr/>
           <a:lstStyle/>
           <a:p>
-            <a:endParaRPr lang="nl-BE"/>
+            <a:r>
+              <a:rPr lang="nl-BE" dirty="0" smtClean="0"/>
+              <a:t>The</a:t>
+            </a:r>
+            <a:r>
+              <a:rPr lang="nl-BE" baseline="0" dirty="0" smtClean="0"/>
+              <a:t> cross-covariance is a calculation which measures the degree of similarity between two signals. By calculating this number for each possible shift between the signals it’s easy to find out the latency. This algorithm is very accurate but also very slow. To solve we can first use the accoustic fingerprinting algorithm. Then the result can be refined by calculating the crosscovariance between the signals.</a:t>
+            </a:r>
+            <a:endParaRPr lang="nl-BE" dirty="0"/>
           </a:p>
         </p:txBody>
       </p:sp>
@@ -1374,7 +1508,15 @@
           <a:bodyPr/>
           <a:lstStyle/>
           <a:p>
-            <a:endParaRPr lang="nl-BE"/>
+            <a:r>
+              <a:rPr lang="nl-BE" dirty="0" smtClean="0"/>
+              <a:t>It’s practically impossible to synchronize</a:t>
+            </a:r>
+            <a:r>
+              <a:rPr lang="nl-BE" baseline="0" dirty="0" smtClean="0"/>
+              <a:t> the streams in real-time. The latency-detecting algorithms need some audio to analyse. That’s why the streams are buffered. </a:t>
+            </a:r>
+            <a:endParaRPr lang="nl-BE" dirty="0"/>
           </a:p>
         </p:txBody>
       </p:sp>
@@ -1458,7 +1600,15 @@
           <a:bodyPr/>
           <a:lstStyle/>
           <a:p>
-            <a:endParaRPr lang="nl-BE"/>
+            <a:r>
+              <a:rPr lang="nl-BE" dirty="0" smtClean="0"/>
+              <a:t>The algorithms are executed on the consecutive</a:t>
+            </a:r>
+            <a:r>
+              <a:rPr lang="nl-BE" baseline="0" dirty="0" smtClean="0"/>
+              <a:t> buffers. The resulting latencies are converted to the amount of silence which has to be added to each stream. After adding the silence to the streams, the streams are synchronized.</a:t>
+            </a:r>
+            <a:endParaRPr lang="nl-BE" dirty="0"/>
           </a:p>
         </p:txBody>
       </p:sp>
@@ -1544,11 +1694,11 @@
           <a:p>
             <a:r>
               <a:rPr lang="nl-BE" dirty="0" smtClean="0"/>
-              <a:t>Input</a:t>
+              <a:t>So</a:t>
             </a:r>
             <a:r>
               <a:rPr lang="nl-BE" baseline="0" dirty="0" smtClean="0"/>
-              <a:t> van microfoon</a:t>
+              <a:t> this is an example of a Max/MSP patch which can be used during an experiment. The TeensyReader patch above reads 1 audiostream and 2 datastreams from a Teensy. The samples are sent to the Sync module. The data will be synchronized with the sound recorded with a microphone. The synchronized streams are written to a file by using the sfrecord module.</a:t>
             </a:r>
             <a:endParaRPr lang="nl-BE" dirty="0"/>
           </a:p>
@@ -1634,7 +1784,23 @@
           <a:bodyPr/>
           <a:lstStyle/>
           <a:p>
-            <a:endParaRPr lang="nl-BE"/>
+            <a:r>
+              <a:rPr lang="nl-BE" dirty="0" smtClean="0"/>
+              <a:t>For the</a:t>
+            </a:r>
+            <a:r>
+              <a:rPr lang="nl-BE" baseline="0" dirty="0" smtClean="0"/>
+              <a:t> demo I took </a:t>
+            </a:r>
+            <a:r>
+              <a:rPr lang="nl-BE" baseline="0" dirty="0" smtClean="0"/>
+              <a:t>two identical </a:t>
+            </a:r>
+            <a:r>
+              <a:rPr lang="nl-BE" baseline="0" dirty="0" smtClean="0"/>
+              <a:t>wavefiles and added some silences at random places in both files. After adding the silences the sound is shifted to the right, no samples are lost. Because of this the latency between the files will change after each silence.</a:t>
+            </a:r>
+            <a:endParaRPr lang="nl-BE" dirty="0"/>
           </a:p>
         </p:txBody>
       </p:sp>
@@ -1718,7 +1884,17 @@
           <a:bodyPr/>
           <a:lstStyle/>
           <a:p>
-            <a:endParaRPr lang="nl-BE"/>
+            <a:r>
+              <a:rPr lang="nl-BE" baseline="0" dirty="0" smtClean="0"/>
+              <a:t>So never forget when you are doing an experiment to attach a microphone to your sensors. Because of the recorded environment audio is the same the latency can be detect easily. The latency is used to add whitespace to the attached streams resulting synchronized streams.</a:t>
+            </a:r>
+          </a:p>
+          <a:p>
+            <a:r>
+              <a:rPr lang="nl-BE" baseline="0" dirty="0" smtClean="0"/>
+              <a:t>All this is possible in real-time.</a:t>
+            </a:r>
+            <a:endParaRPr lang="nl-BE" dirty="0"/>
           </a:p>
         </p:txBody>
       </p:sp>
@@ -1739,7 +1915,7 @@
           <a:p>
             <a:fld id="{F1B74BCE-2F86-4025-ABE5-8DEE86D7782F}" type="slidenum">
               <a:rPr lang="nl-BE" smtClean="0"/>
-              <a:t>21</a:t>
+              <a:t>20</a:t>
             </a:fld>
             <a:endParaRPr lang="nl-BE"/>
           </a:p>
@@ -1748,7 +1924,7 @@
     </p:spTree>
     <p:extLst>
       <p:ext uri="{BB962C8B-B14F-4D97-AF65-F5344CB8AC3E}">
-        <p14:creationId xmlns:p14="http://schemas.microsoft.com/office/powerpoint/2010/main" val="2033885341"/>
+        <p14:creationId xmlns:p14="http://schemas.microsoft.com/office/powerpoint/2010/main" val="2405804320"/>
       </p:ext>
     </p:extLst>
   </p:cSld>
@@ -1802,7 +1978,15 @@
           <a:bodyPr/>
           <a:lstStyle/>
           <a:p>
-            <a:endParaRPr lang="nl-BE"/>
+            <a:r>
+              <a:rPr lang="nl-BE" dirty="0" smtClean="0"/>
+              <a:t>The</a:t>
+            </a:r>
+            <a:r>
+              <a:rPr lang="nl-BE" baseline="0" dirty="0" smtClean="0"/>
+              <a:t> current synchronization system only supports Max/MSP signals. Everything can be synchronized but before it has to be converted to a Max/MSP signal. An possible improvement of the current system could be providing support for MIDI and video streams.</a:t>
+            </a:r>
+            <a:endParaRPr lang="nl-BE" dirty="0"/>
           </a:p>
         </p:txBody>
       </p:sp>
@@ -1823,7 +2007,7 @@
           <a:p>
             <a:fld id="{F1B74BCE-2F86-4025-ABE5-8DEE86D7782F}" type="slidenum">
               <a:rPr lang="nl-BE" smtClean="0"/>
-              <a:t>22</a:t>
+              <a:t>21</a:t>
             </a:fld>
             <a:endParaRPr lang="nl-BE"/>
           </a:p>
@@ -1832,7 +2016,7 @@
     </p:spTree>
     <p:extLst>
       <p:ext uri="{BB962C8B-B14F-4D97-AF65-F5344CB8AC3E}">
-        <p14:creationId xmlns:p14="http://schemas.microsoft.com/office/powerpoint/2010/main" val="1019850739"/>
+        <p14:creationId xmlns:p14="http://schemas.microsoft.com/office/powerpoint/2010/main" val="2033885341"/>
       </p:ext>
     </p:extLst>
   </p:cSld>
@@ -1870,6 +2054,99 @@
           </p:nvPr>
         </p:nvSpPr>
         <p:spPr/>
+      </p:sp>
+      <p:sp>
+        <p:nvSpPr>
+          <p:cNvPr id="3" name="Notes Placeholder 2"/>
+          <p:cNvSpPr>
+            <a:spLocks noGrp="1"/>
+          </p:cNvSpPr>
+          <p:nvPr>
+            <p:ph type="body" idx="1"/>
+          </p:nvPr>
+        </p:nvSpPr>
+        <p:spPr/>
+        <p:txBody>
+          <a:bodyPr/>
+          <a:lstStyle/>
+          <a:p>
+            <a:r>
+              <a:rPr lang="nl-BE" dirty="0" smtClean="0"/>
+              <a:t>Any questions? Thanks for your attention!</a:t>
+            </a:r>
+            <a:endParaRPr lang="nl-BE" dirty="0"/>
+          </a:p>
+        </p:txBody>
+      </p:sp>
+      <p:sp>
+        <p:nvSpPr>
+          <p:cNvPr id="4" name="Slide Number Placeholder 3"/>
+          <p:cNvSpPr>
+            <a:spLocks noGrp="1"/>
+          </p:cNvSpPr>
+          <p:nvPr>
+            <p:ph type="sldNum" sz="quarter" idx="10"/>
+          </p:nvPr>
+        </p:nvSpPr>
+        <p:spPr/>
+        <p:txBody>
+          <a:bodyPr/>
+          <a:lstStyle/>
+          <a:p>
+            <a:fld id="{F1B74BCE-2F86-4025-ABE5-8DEE86D7782F}" type="slidenum">
+              <a:rPr lang="nl-BE" smtClean="0"/>
+              <a:t>22</a:t>
+            </a:fld>
+            <a:endParaRPr lang="nl-BE"/>
+          </a:p>
+        </p:txBody>
+      </p:sp>
+    </p:spTree>
+    <p:extLst>
+      <p:ext uri="{BB962C8B-B14F-4D97-AF65-F5344CB8AC3E}">
+        <p14:creationId xmlns:p14="http://schemas.microsoft.com/office/powerpoint/2010/main" val="1019850739"/>
+      </p:ext>
+    </p:extLst>
+  </p:cSld>
+  <p:clrMapOvr>
+    <a:masterClrMapping/>
+  </p:clrMapOvr>
+</p:notes>
+</file>
+
+<file path=ppt/notesSlides/notesSlide23.xml><?xml version="1.0" encoding="utf-8"?>
+<p:notes xmlns:a="http://schemas.openxmlformats.org/drawingml/2006/main" xmlns:r="http://schemas.openxmlformats.org/officeDocument/2006/relationships" xmlns:p="http://schemas.openxmlformats.org/presentationml/2006/main">
+  <p:cSld>
+    <p:spTree>
+      <p:nvGrpSpPr>
+        <p:cNvPr id="1" name=""/>
+        <p:cNvGrpSpPr/>
+        <p:nvPr/>
+      </p:nvGrpSpPr>
+      <p:grpSpPr>
+        <a:xfrm>
+          <a:off x="0" y="0"/>
+          <a:ext cx="0" cy="0"/>
+          <a:chOff x="0" y="0"/>
+          <a:chExt cx="0" cy="0"/>
+        </a:xfrm>
+      </p:grpSpPr>
+      <p:sp>
+        <p:nvSpPr>
+          <p:cNvPr id="2" name="Slide Image Placeholder 1"/>
+          <p:cNvSpPr>
+            <a:spLocks noGrp="1" noRot="1" noChangeAspect="1"/>
+          </p:cNvSpPr>
+          <p:nvPr>
+            <p:ph type="sldImg"/>
+          </p:nvPr>
+        </p:nvSpPr>
+        <p:spPr>
+          <a:xfrm>
+            <a:off x="1255713" y="630238"/>
+            <a:ext cx="4114800" cy="3086100"/>
+          </a:xfrm>
+        </p:spPr>
       </p:sp>
       <p:sp>
         <p:nvSpPr>
@@ -1970,6 +2247,22 @@
           <a:bodyPr/>
           <a:lstStyle/>
           <a:p>
+            <a:r>
+              <a:rPr lang="nl-BE" dirty="0" smtClean="0"/>
+              <a:t>On</a:t>
+            </a:r>
+            <a:r>
+              <a:rPr lang="nl-BE" baseline="0" dirty="0" smtClean="0"/>
+              <a:t> this </a:t>
+            </a:r>
+            <a:r>
+              <a:rPr lang="nl-BE" baseline="0" dirty="0" smtClean="0"/>
+              <a:t>slide </a:t>
+            </a:r>
+            <a:r>
+              <a:rPr lang="nl-BE" baseline="0" dirty="0" smtClean="0"/>
+              <a:t>you can see the added silences. You can use this slide to have an idea what is happening during the demo.</a:t>
+            </a:r>
             <a:endParaRPr lang="nl-BE" dirty="0"/>
           </a:p>
         </p:txBody>
@@ -2054,7 +2347,21 @@
           <a:bodyPr/>
           <a:lstStyle/>
           <a:p>
-            <a:endParaRPr lang="nl-BE"/>
+            <a:r>
+              <a:rPr lang="nl-BE" dirty="0" smtClean="0"/>
+              <a:t>The wavefiles will be used as input for the Max/MSP module I</a:t>
+            </a:r>
+            <a:r>
+              <a:rPr lang="nl-BE" baseline="0" dirty="0" smtClean="0"/>
+              <a:t> will show during the demo. The module is responsible for the synchronization and will send the synchronized signals as output. The module doesn’t have access to extra timing information. </a:t>
+            </a:r>
+          </a:p>
+          <a:p>
+            <a:r>
+              <a:rPr lang="nl-BE" baseline="0" dirty="0" smtClean="0"/>
+              <a:t>The first synchronized signal will be sent the left speaker. The second synchronized signal to the right speaker.</a:t>
+            </a:r>
+            <a:endParaRPr lang="nl-BE" dirty="0"/>
           </a:p>
         </p:txBody>
       </p:sp>
@@ -2138,7 +2445,15 @@
           <a:bodyPr/>
           <a:lstStyle/>
           <a:p>
-            <a:endParaRPr lang="nl-BE"/>
+            <a:r>
+              <a:rPr lang="nl-BE" dirty="0" smtClean="0"/>
+              <a:t>Quite impressive</a:t>
+            </a:r>
+            <a:r>
+              <a:rPr lang="nl-BE" baseline="0" dirty="0" smtClean="0"/>
+              <a:t> isn’t it? I just want to note that the used algorithms don’t just look for silence. Any latency change caused by any reason can be detected. It’s also important to know that the audiostreams don’t have to be exactly the same. The system works with recorded streams from different kinds of microphones.</a:t>
+            </a:r>
+            <a:endParaRPr lang="nl-BE" dirty="0"/>
           </a:p>
         </p:txBody>
       </p:sp>
@@ -2222,7 +2537,15 @@
           <a:bodyPr/>
           <a:lstStyle/>
           <a:p>
-            <a:endParaRPr lang="nl-BE"/>
+            <a:r>
+              <a:rPr lang="nl-BE" dirty="0" smtClean="0"/>
+              <a:t>You</a:t>
+            </a:r>
+            <a:r>
+              <a:rPr lang="nl-BE" baseline="0" dirty="0" smtClean="0"/>
+              <a:t> are now probably wondering why this is useful. So, at IPEM a lot of experiments are done by using various sensors like accelerometers and pressure sensors. The problem is each sensor has its own unpredictable latency.  Before analyzation is possible the data has to be synchronized.</a:t>
+            </a:r>
+            <a:endParaRPr lang="nl-BE" dirty="0"/>
           </a:p>
         </p:txBody>
       </p:sp>
@@ -2289,7 +2612,12 @@
             <p:ph type="sldImg"/>
           </p:nvPr>
         </p:nvSpPr>
-        <p:spPr/>
+        <p:spPr>
+          <a:xfrm>
+            <a:off x="1255713" y="630238"/>
+            <a:ext cx="4114800" cy="3086100"/>
+          </a:xfrm>
+        </p:spPr>
       </p:sp>
       <p:sp>
         <p:nvSpPr>
@@ -2306,7 +2634,15 @@
           <a:bodyPr/>
           <a:lstStyle/>
           <a:p>
-            <a:endParaRPr lang="nl-BE"/>
+            <a:r>
+              <a:rPr lang="nl-BE" dirty="0" smtClean="0"/>
+              <a:t>This can be done by attaching</a:t>
+            </a:r>
+            <a:r>
+              <a:rPr lang="nl-BE" baseline="0" dirty="0" smtClean="0"/>
+              <a:t> a microphone to each sensor so the latency of the sensor and microphone are the same. The difficulty of the initial problem can be reduced by recording the environment sound. This because the environment sound is the same for each microphone.</a:t>
+            </a:r>
+            <a:endParaRPr lang="nl-BE" dirty="0"/>
           </a:p>
         </p:txBody>
       </p:sp>
@@ -2390,7 +2726,21 @@
           <a:bodyPr/>
           <a:lstStyle/>
           <a:p>
-            <a:endParaRPr lang="nl-BE"/>
+            <a:r>
+              <a:rPr lang="nl-BE" dirty="0" smtClean="0"/>
+              <a:t>This is an</a:t>
+            </a:r>
+            <a:r>
+              <a:rPr lang="nl-BE" baseline="0" dirty="0" smtClean="0"/>
+              <a:t> example of a sensor and microphone set-up. By attaching them to the same microcontroller the latency between them is negligble.</a:t>
+            </a:r>
+          </a:p>
+          <a:p>
+            <a:r>
+              <a:rPr lang="nl-BE" baseline="0" dirty="0" smtClean="0"/>
+              <a:t>(neglidgable)</a:t>
+            </a:r>
+            <a:endParaRPr lang="nl-BE" dirty="0"/>
           </a:p>
         </p:txBody>
       </p:sp>
@@ -2474,7 +2824,15 @@
           <a:bodyPr/>
           <a:lstStyle/>
           <a:p>
-            <a:endParaRPr lang="nl-BE"/>
+            <a:r>
+              <a:rPr lang="nl-BE" dirty="0" smtClean="0"/>
+              <a:t>Some people probably</a:t>
+            </a:r>
+            <a:r>
+              <a:rPr lang="nl-BE" baseline="0" dirty="0" smtClean="0"/>
+              <a:t> already used SyncSink. It’s a system using the same fundamentals I just explained. But there are some remarkable differences with what I’ve developed.</a:t>
+            </a:r>
+            <a:endParaRPr lang="nl-BE" dirty="0"/>
           </a:p>
         </p:txBody>
       </p:sp>
@@ -3308,7 +3666,7 @@
           <a:p>
             <a:fld id="{4C3A3588-0C81-488E-80E8-71281FA65EDA}" type="datetime1">
               <a:rPr lang="nl-BE" smtClean="0"/>
-              <a:t>25/05/2016</a:t>
+              <a:t>27/05/2016</a:t>
             </a:fld>
             <a:endParaRPr lang="nl-BE"/>
           </a:p>
@@ -3571,7 +3929,7 @@
           <a:p>
             <a:fld id="{7E97D98C-CAE1-44D5-B9EF-9A94718F178C}" type="datetime1">
               <a:rPr lang="nl-BE" smtClean="0"/>
-              <a:t>25/05/2016</a:t>
+              <a:t>27/05/2016</a:t>
             </a:fld>
             <a:endParaRPr lang="nl-BE"/>
           </a:p>
@@ -3892,7 +4250,7 @@
           <a:p>
             <a:fld id="{83B170BD-2670-44B6-A201-0D181521382B}" type="datetime1">
               <a:rPr lang="nl-BE" smtClean="0"/>
-              <a:t>25/05/2016</a:t>
+              <a:t>27/05/2016</a:t>
             </a:fld>
             <a:endParaRPr lang="nl-BE"/>
           </a:p>
@@ -4232,7 +4590,7 @@
           <a:p>
             <a:fld id="{33451913-2070-4944-BBD3-EA87577D49D6}" type="datetime1">
               <a:rPr lang="nl-BE" smtClean="0"/>
-              <a:t>25/05/2016</a:t>
+              <a:t>27/05/2016</a:t>
             </a:fld>
             <a:endParaRPr lang="nl-BE"/>
           </a:p>
@@ -4553,7 +4911,7 @@
           <a:p>
             <a:fld id="{808F7857-D4EC-4ABA-AFBA-6EE2DD52F09E}" type="datetime1">
               <a:rPr lang="nl-BE" smtClean="0"/>
-              <a:t>25/05/2016</a:t>
+              <a:t>27/05/2016</a:t>
             </a:fld>
             <a:endParaRPr lang="nl-BE"/>
           </a:p>
@@ -4953,7 +5311,7 @@
           <a:p>
             <a:fld id="{5E7C51A9-1265-404C-8E7E-852CEE42953D}" type="datetime1">
               <a:rPr lang="nl-BE" smtClean="0"/>
-              <a:t>25/05/2016</a:t>
+              <a:t>27/05/2016</a:t>
             </a:fld>
             <a:endParaRPr lang="nl-BE"/>
           </a:p>
@@ -5130,7 +5488,7 @@
           <a:p>
             <a:fld id="{5F172A62-D213-4A0F-8954-C43FCEB51251}" type="datetime1">
               <a:rPr lang="nl-BE" smtClean="0"/>
-              <a:t>25/05/2016</a:t>
+              <a:t>27/05/2016</a:t>
             </a:fld>
             <a:endParaRPr lang="nl-BE"/>
           </a:p>
@@ -5317,7 +5675,7 @@
           <a:p>
             <a:fld id="{73986EFB-C369-487E-A2AC-2297769CFFB8}" type="datetime1">
               <a:rPr lang="nl-BE" smtClean="0"/>
-              <a:t>25/05/2016</a:t>
+              <a:t>27/05/2016</a:t>
             </a:fld>
             <a:endParaRPr lang="nl-BE"/>
           </a:p>
@@ -5494,7 +5852,7 @@
           <a:p>
             <a:fld id="{98068DAA-D3FA-4DA2-97E5-155B79F87554}" type="datetime1">
               <a:rPr lang="nl-BE" smtClean="0"/>
-              <a:t>25/05/2016</a:t>
+              <a:t>27/05/2016</a:t>
             </a:fld>
             <a:endParaRPr lang="nl-BE"/>
           </a:p>
@@ -5767,7 +6125,7 @@
           <a:p>
             <a:fld id="{1F4E5437-0072-4CF8-AA17-C4E6FF4714A3}" type="datetime1">
               <a:rPr lang="nl-BE" smtClean="0"/>
-              <a:t>25/05/2016</a:t>
+              <a:t>27/05/2016</a:t>
             </a:fld>
             <a:endParaRPr lang="nl-BE"/>
           </a:p>
@@ -6090,7 +6448,7 @@
           <a:p>
             <a:fld id="{BEE1738E-6F24-4E5F-86A0-13CBC4484DAE}" type="datetime1">
               <a:rPr lang="nl-BE" smtClean="0"/>
-              <a:t>25/05/2016</a:t>
+              <a:t>27/05/2016</a:t>
             </a:fld>
             <a:endParaRPr lang="nl-BE"/>
           </a:p>
@@ -6495,7 +6853,7 @@
           <a:p>
             <a:fld id="{A3EC6F21-FF90-4166-A497-72A587136F39}" type="datetime1">
               <a:rPr lang="nl-BE" smtClean="0"/>
-              <a:t>25/05/2016</a:t>
+              <a:t>27/05/2016</a:t>
             </a:fld>
             <a:endParaRPr lang="nl-BE"/>
           </a:p>
@@ -6644,7 +7002,7 @@
           <a:p>
             <a:fld id="{C07FA782-FB81-4001-8632-C7898391A64F}" type="datetime1">
               <a:rPr lang="nl-BE" smtClean="0"/>
-              <a:t>25/05/2016</a:t>
+              <a:t>27/05/2016</a:t>
             </a:fld>
             <a:endParaRPr lang="nl-BE"/>
           </a:p>
@@ -6747,7 +7105,7 @@
           <a:p>
             <a:fld id="{92497581-8BE4-429E-9C56-E48790865B72}" type="datetime1">
               <a:rPr lang="nl-BE" smtClean="0"/>
-              <a:t>25/05/2016</a:t>
+              <a:t>27/05/2016</a:t>
             </a:fld>
             <a:endParaRPr lang="nl-BE"/>
           </a:p>
@@ -7009,7 +7367,7 @@
           <a:p>
             <a:fld id="{E7F6DB7C-1BBC-4F04-A0AB-68716329956E}" type="datetime1">
               <a:rPr lang="nl-BE" smtClean="0"/>
-              <a:t>25/05/2016</a:t>
+              <a:t>27/05/2016</a:t>
             </a:fld>
             <a:endParaRPr lang="nl-BE"/>
           </a:p>
@@ -7279,7 +7637,7 @@
           <a:p>
             <a:fld id="{819817BB-16B3-468B-8842-B9E7A53F14FA}" type="datetime1">
               <a:rPr lang="nl-BE" smtClean="0"/>
-              <a:t>25/05/2016</a:t>
+              <a:t>27/05/2016</a:t>
             </a:fld>
             <a:endParaRPr lang="nl-BE"/>
           </a:p>
@@ -8100,7 +8458,7 @@
           <a:p>
             <a:fld id="{5FA03D89-64AA-45E4-BEA8-265EEA372296}" type="datetime1">
               <a:rPr lang="nl-BE" smtClean="0"/>
-              <a:t>25/05/2016</a:t>
+              <a:t>27/05/2016</a:t>
             </a:fld>
             <a:endParaRPr lang="nl-BE"/>
           </a:p>
@@ -8869,7 +9227,6 @@
               <a:rPr lang="nl-BE" dirty="0"/>
               <a:t>? [2] </a:t>
             </a:r>
-            <a:endParaRPr lang="nl-BE" dirty="0"/>
           </a:p>
         </p:txBody>
       </p:sp>
@@ -8892,11 +9249,7 @@
           <a:p>
             <a:r>
               <a:rPr lang="nl-BE" sz="2400" dirty="0" smtClean="0"/>
-              <a:t>SyncSink</a:t>
-            </a:r>
-            <a:r>
-              <a:rPr lang="nl-BE" sz="2400" dirty="0" smtClean="0"/>
-              <a:t>:</a:t>
+              <a:t>SyncSink:</a:t>
             </a:r>
           </a:p>
           <a:p>
@@ -9081,13 +9434,8 @@
           <a:p>
             <a:r>
               <a:rPr lang="nl-BE" sz="2400" dirty="0" smtClean="0"/>
-              <a:t>Acoustic </a:t>
-            </a:r>
-            <a:r>
-              <a:rPr lang="nl-BE" sz="2400" dirty="0" smtClean="0"/>
-              <a:t>fingerprinting [1]</a:t>
-            </a:r>
-            <a:endParaRPr lang="nl-BE" sz="2400" dirty="0" smtClean="0"/>
+              <a:t>Acoustic fingerprinting [1]</a:t>
+            </a:r>
           </a:p>
           <a:p>
             <a:pPr lvl="1"/>
@@ -10148,11 +10496,7 @@
           <a:p>
             <a:r>
               <a:rPr lang="nl-BE" dirty="0" smtClean="0"/>
-              <a:t>Acoustic </a:t>
-            </a:r>
-            <a:r>
-              <a:rPr lang="nl-BE" dirty="0" smtClean="0"/>
-              <a:t>fingerprinting [1]</a:t>
+              <a:t>Acoustic fingerprinting [1]</a:t>
             </a:r>
             <a:endParaRPr lang="nl-BE" dirty="0"/>
           </a:p>
@@ -10356,11 +10700,7 @@
           <a:p>
             <a:r>
               <a:rPr lang="nl-BE" dirty="0" smtClean="0"/>
-              <a:t>Another technique: </a:t>
-            </a:r>
-            <a:r>
-              <a:rPr lang="nl-BE" dirty="0" smtClean="0"/>
-              <a:t>cross-covariance [2]</a:t>
+              <a:t>Another technique: cross-covariance [2]</a:t>
             </a:r>
             <a:endParaRPr lang="nl-BE" dirty="0"/>
           </a:p>
@@ -10390,11 +10730,7 @@
           <a:p>
             <a:r>
               <a:rPr lang="nl-BE" sz="2400" dirty="0" smtClean="0"/>
-              <a:t>Cross-covariance</a:t>
-            </a:r>
-            <a:r>
-              <a:rPr lang="nl-BE" sz="2400" dirty="0" smtClean="0"/>
-              <a:t>: degree of similarity between two signals</a:t>
+              <a:t>Cross-covariance: degree of similarity between two signals</a:t>
             </a:r>
           </a:p>
           <a:p>
@@ -11268,6 +11604,10 @@
           <a:bodyPr/>
           <a:lstStyle/>
           <a:p>
+            <a:r>
+              <a:rPr lang="nl-BE" dirty="0" smtClean="0"/>
+              <a:t>Conclusion</a:t>
+            </a:r>
             <a:endParaRPr lang="nl-BE" dirty="0"/>
           </a:p>
         </p:txBody>
@@ -11284,14 +11624,58 @@
         </p:nvSpPr>
         <p:spPr/>
         <p:txBody>
-          <a:bodyPr/>
-          <a:lstStyle/>
-          <a:p>
-            <a:r>
-              <a:rPr lang="nl-BE" dirty="0" smtClean="0"/>
-              <a:t>Soort van conclusie, herhalen van introductie, wat er precies allemaal gedaan is en wat het nut er van is.</a:t>
-            </a:r>
-            <a:endParaRPr lang="nl-BE" dirty="0"/>
+          <a:bodyPr>
+            <a:normAutofit/>
+          </a:bodyPr>
+          <a:lstStyle/>
+          <a:p>
+            <a:r>
+              <a:rPr lang="nl-BE" sz="2400" dirty="0" smtClean="0"/>
+              <a:t>IPEM experiments:</a:t>
+            </a:r>
+          </a:p>
+          <a:p>
+            <a:pPr lvl="1"/>
+            <a:r>
+              <a:rPr lang="nl-BE" sz="2400" dirty="0" smtClean="0"/>
+              <a:t>Sensors attached to microphones</a:t>
+            </a:r>
+          </a:p>
+          <a:p>
+            <a:pPr lvl="1"/>
+            <a:r>
+              <a:rPr lang="nl-BE" sz="2400" dirty="0" smtClean="0"/>
+              <a:t>Audiostreams are almost the same</a:t>
+            </a:r>
+          </a:p>
+          <a:p>
+            <a:pPr lvl="1"/>
+            <a:r>
+              <a:rPr lang="nl-BE" sz="2400" dirty="0" smtClean="0"/>
+              <a:t>Max/MSP patch:</a:t>
+            </a:r>
+          </a:p>
+          <a:p>
+            <a:pPr lvl="2"/>
+            <a:r>
+              <a:rPr lang="nl-BE" sz="2400" dirty="0" smtClean="0"/>
+              <a:t>Detects latency between audiostreams</a:t>
+            </a:r>
+          </a:p>
+          <a:p>
+            <a:pPr lvl="2"/>
+            <a:r>
+              <a:rPr lang="nl-BE" sz="2400" dirty="0" smtClean="0"/>
+              <a:t>Synchronizes datastreams</a:t>
+            </a:r>
+            <a:endParaRPr lang="nl-BE" sz="2400" dirty="0"/>
+          </a:p>
+          <a:p>
+            <a:pPr lvl="2"/>
+            <a:r>
+              <a:rPr lang="nl-BE" sz="2400" dirty="0" smtClean="0"/>
+              <a:t>...in real time</a:t>
+            </a:r>
           </a:p>
         </p:txBody>
       </p:sp>
@@ -11328,7 +11712,7 @@
           <p:nvPr/>
         </p:nvPicPr>
         <p:blipFill>
-          <a:blip r:embed="rId2" cstate="print">
+          <a:blip r:embed="rId3" cstate="print">
             <a:extLst>
               <a:ext uri="{28A0092B-C50C-407E-A947-70E740481C1C}">
                 <a14:useLocalDpi xmlns:a14="http://schemas.microsoft.com/office/drawing/2010/main" val="0"/>
@@ -11370,6 +11754,13 @@
   <p:clrMapOvr>
     <a:masterClrMapping/>
   </p:clrMapOvr>
+  <p:timing>
+    <p:tnLst>
+      <p:par>
+        <p:cTn id="1" dur="indefinite" restart="never" nodeType="tmRoot"/>
+      </p:par>
+    </p:tnLst>
+  </p:timing>
 </p:sld>
 </file>
 
@@ -11688,6 +12079,13 @@
   <p:clrMapOvr>
     <a:masterClrMapping/>
   </p:clrMapOvr>
+  <p:timing>
+    <p:tnLst>
+      <p:par>
+        <p:cTn id="1" dur="indefinite" restart="never" nodeType="tmRoot"/>
+      </p:par>
+    </p:tnLst>
+  </p:timing>
 </p:sld>
 </file>
 
@@ -11944,6 +12342,47 @@
           </a:p>
         </p:txBody>
       </p:sp>
+      <p:pic>
+        <p:nvPicPr>
+          <p:cNvPr id="5" name="Picture 2" descr="http://www.renew.ugent.be/sites/default/files/LogoUGentWit.png"/>
+          <p:cNvPicPr>
+            <a:picLocks noChangeAspect="1" noChangeArrowheads="1"/>
+          </p:cNvPicPr>
+          <p:nvPr/>
+        </p:nvPicPr>
+        <p:blipFill>
+          <a:blip r:embed="rId3" cstate="print">
+            <a:extLst>
+              <a:ext uri="{28A0092B-C50C-407E-A947-70E740481C1C}">
+                <a14:useLocalDpi xmlns:a14="http://schemas.microsoft.com/office/drawing/2010/main" val="0"/>
+              </a:ext>
+            </a:extLst>
+          </a:blip>
+          <a:srcRect/>
+          <a:stretch>
+            <a:fillRect/>
+          </a:stretch>
+        </p:blipFill>
+        <p:spPr bwMode="auto">
+          <a:xfrm>
+            <a:off x="7623633" y="5668555"/>
+            <a:ext cx="1263564" cy="895025"/>
+          </a:xfrm>
+          <a:prstGeom prst="rect">
+            <a:avLst/>
+          </a:prstGeom>
+          <a:noFill/>
+          <a:extLst>
+            <a:ext uri="{909E8E84-426E-40DD-AFC4-6F175D3DCCD1}">
+              <a14:hiddenFill xmlns:a14="http://schemas.microsoft.com/office/drawing/2010/main">
+                <a:solidFill>
+                  <a:srgbClr val="FFFFFF"/>
+                </a:solidFill>
+              </a14:hiddenFill>
+            </a:ext>
+          </a:extLst>
+        </p:spPr>
+      </p:pic>
     </p:spTree>
     <p:extLst>
       <p:ext uri="{BB962C8B-B14F-4D97-AF65-F5344CB8AC3E}">
@@ -11954,6 +12393,13 @@
   <p:clrMapOvr>
     <a:masterClrMapping/>
   </p:clrMapOvr>
+  <p:timing>
+    <p:tnLst>
+      <p:par>
+        <p:cTn id="1" dur="indefinite" restart="never" nodeType="tmRoot"/>
+      </p:par>
+    </p:tnLst>
+  </p:timing>
 </p:sld>
 </file>
 
@@ -13413,7 +13859,15 @@
           <a:p>
             <a:r>
               <a:rPr lang="nl-BE" sz="2400" dirty="0" smtClean="0"/>
-              <a:t>Attach each sensor to a microphone</a:t>
+              <a:t>Attach a </a:t>
+            </a:r>
+            <a:r>
+              <a:rPr lang="nl-BE" sz="2400" dirty="0"/>
+              <a:t>microphone </a:t>
+            </a:r>
+            <a:r>
+              <a:rPr lang="nl-BE" sz="2400" dirty="0" smtClean="0"/>
+              <a:t>to each sensor</a:t>
             </a:r>
           </a:p>
           <a:p>
@@ -13972,11 +14426,7 @@
           <a:p>
             <a:r>
               <a:rPr lang="nl-BE" dirty="0" smtClean="0"/>
-              <a:t>What about </a:t>
-            </a:r>
-            <a:r>
-              <a:rPr lang="nl-BE" dirty="0" smtClean="0"/>
-              <a:t>SyncSink? [2] </a:t>
+              <a:t>What about SyncSink? [2] </a:t>
             </a:r>
             <a:endParaRPr lang="nl-BE" dirty="0"/>
           </a:p>
